--- a/slides/htx_xdata_data_scientist.pptx
+++ b/slides/htx_xdata_data_scientist.pptx
@@ -5,7 +5,7 @@
     <p:sldMasterId id="2147483660" r:id="rId1"/>
   </p:sldMasterIdLst>
   <p:notesMasterIdLst>
-    <p:notesMasterId r:id="rId14"/>
+    <p:notesMasterId r:id="rId15"/>
   </p:notesMasterIdLst>
   <p:sldIdLst>
     <p:sldId id="256" r:id="rId2"/>
@@ -18,8 +18,9 @@
     <p:sldId id="276" r:id="rId9"/>
     <p:sldId id="277" r:id="rId10"/>
     <p:sldId id="278" r:id="rId11"/>
-    <p:sldId id="260" r:id="rId12"/>
-    <p:sldId id="268" r:id="rId13"/>
+    <p:sldId id="279" r:id="rId12"/>
+    <p:sldId id="260" r:id="rId13"/>
+    <p:sldId id="268" r:id="rId14"/>
   </p:sldIdLst>
   <p:sldSz cx="12192000" cy="6858000"/>
   <p:notesSz cx="6858000" cy="9144000"/>
@@ -4575,7 +4576,7 @@
           <p:cNvPr id="2" name="Title 1">
             <a:extLst>
               <a:ext uri="{FF2B5EF4-FFF2-40B4-BE49-F238E27FC236}">
-                <a16:creationId xmlns:a16="http://schemas.microsoft.com/office/drawing/2014/main" id="{2E4C5D10-101B-26D3-BEA2-6976E4C487B8}"/>
+                <a16:creationId xmlns:a16="http://schemas.microsoft.com/office/drawing/2014/main" id="{55217810-2D81-AB8F-0EFE-681C24BB66D7}"/>
               </a:ext>
             </a:extLst>
           </p:cNvPr>
@@ -4586,77 +4587,15 @@
             <p:ph type="title"/>
           </p:nvPr>
         </p:nvSpPr>
-        <p:spPr>
-          <a:xfrm>
-            <a:off x="640079" y="1092632"/>
-            <a:ext cx="10890929" cy="1097280"/>
-          </a:xfrm>
-        </p:spPr>
-        <p:txBody>
-          <a:bodyPr>
-            <a:normAutofit/>
-          </a:bodyPr>
+        <p:spPr/>
+        <p:txBody>
+          <a:bodyPr/>
           <a:lstStyle/>
           <a:p>
             <a:r>
               <a:rPr lang="en-US" dirty="0"/>
-              <a:t>Future Exploration </a:t>
-            </a:r>
-          </a:p>
-        </p:txBody>
-      </p:sp>
-      <p:sp>
-        <p:nvSpPr>
-          <p:cNvPr id="3" name="Content Placeholder 2">
-            <a:extLst>
-              <a:ext uri="{FF2B5EF4-FFF2-40B4-BE49-F238E27FC236}">
-                <a16:creationId xmlns:a16="http://schemas.microsoft.com/office/drawing/2014/main" id="{66C1EEDB-5AA5-30BF-F29D-96A59A940AAD}"/>
-              </a:ext>
-            </a:extLst>
-          </p:cNvPr>
-          <p:cNvSpPr>
-            <a:spLocks noGrp="1"/>
-          </p:cNvSpPr>
-          <p:nvPr>
-            <p:ph idx="1"/>
-          </p:nvPr>
-        </p:nvSpPr>
-        <p:spPr/>
-        <p:txBody>
-          <a:bodyPr/>
-          <a:lstStyle/>
-          <a:p>
-            <a:r>
-              <a:rPr lang="en-US" dirty="0"/>
-              <a:t>Model – Try with other models such as </a:t>
-            </a:r>
-            <a:r>
-              <a:rPr lang="en-US" dirty="0" err="1"/>
-              <a:t>XGBoost</a:t>
-            </a:r>
-            <a:r>
-              <a:rPr lang="en-US" dirty="0"/>
-              <a:t>, linear regression or Elastic Net Regression</a:t>
-            </a:r>
-          </a:p>
-          <a:p>
-            <a:r>
-              <a:rPr lang="en-US" dirty="0"/>
-              <a:t>Model Parameters – Use </a:t>
-            </a:r>
-            <a:r>
-              <a:rPr lang="en-US" dirty="0" err="1"/>
-              <a:t>GridSearchCV</a:t>
-            </a:r>
-            <a:r>
-              <a:rPr lang="en-US" dirty="0"/>
-              <a:t> to find </a:t>
-            </a:r>
-            <a:r>
-              <a:rPr lang="en-US"/>
-              <a:t>the optimal</a:t>
-            </a:r>
-            <a:endParaRPr lang="en-US" dirty="0"/>
+              <a:t>Proposed Strategy </a:t>
+            </a:r>
           </a:p>
         </p:txBody>
       </p:sp>
@@ -4665,7 +4604,7 @@
           <p:cNvPr id="4" name="Slide Number Placeholder 3">
             <a:extLst>
               <a:ext uri="{FF2B5EF4-FFF2-40B4-BE49-F238E27FC236}">
-                <a16:creationId xmlns:a16="http://schemas.microsoft.com/office/drawing/2014/main" id="{D8162D6A-30C6-B46D-F3DD-1B9599C9305F}"/>
+                <a16:creationId xmlns:a16="http://schemas.microsoft.com/office/drawing/2014/main" id="{6BBEADBC-D299-E5ED-78AE-0F20601ECDBE}"/>
               </a:ext>
             </a:extLst>
           </p:cNvPr>
@@ -4689,10 +4628,246 @@
           </a:p>
         </p:txBody>
       </p:sp>
+      <p:sp>
+        <p:nvSpPr>
+          <p:cNvPr id="5" name="Content Placeholder 2">
+            <a:extLst>
+              <a:ext uri="{FF2B5EF4-FFF2-40B4-BE49-F238E27FC236}">
+                <a16:creationId xmlns:a16="http://schemas.microsoft.com/office/drawing/2014/main" id="{BE570020-981B-15E1-6A58-3DA99B411D1F}"/>
+              </a:ext>
+            </a:extLst>
+          </p:cNvPr>
+          <p:cNvSpPr txBox="1">
+            <a:spLocks/>
+          </p:cNvSpPr>
+          <p:nvPr/>
+        </p:nvSpPr>
+        <p:spPr>
+          <a:xfrm>
+            <a:off x="779032" y="2411080"/>
+            <a:ext cx="10890928" cy="3566160"/>
+          </a:xfrm>
+          <a:prstGeom prst="rect">
+            <a:avLst/>
+          </a:prstGeom>
+        </p:spPr>
+        <p:txBody>
+          <a:bodyPr vert="horz" lIns="91440" tIns="45720" rIns="91440" bIns="45720" rtlCol="0">
+            <a:normAutofit/>
+          </a:bodyPr>
+          <a:lstStyle>
+            <a:lvl1pPr marL="228600" indent="-228600" algn="l" defTabSz="914400" rtl="0" eaLnBrk="1" latinLnBrk="0" hangingPunct="1">
+              <a:lnSpc>
+                <a:spcPct val="120000"/>
+              </a:lnSpc>
+              <a:spcBef>
+                <a:spcPts val="1000"/>
+              </a:spcBef>
+              <a:buSzPct val="87000"/>
+              <a:buFont typeface="Arial" panose="020B0604020202020204" pitchFamily="34" charset="0"/>
+              <a:buChar char="•"/>
+              <a:defRPr sz="2000" kern="1200">
+                <a:solidFill>
+                  <a:schemeClr val="tx1"/>
+                </a:solidFill>
+                <a:latin typeface="+mn-lt"/>
+                <a:ea typeface="+mn-ea"/>
+                <a:cs typeface="+mn-cs"/>
+              </a:defRPr>
+            </a:lvl1pPr>
+            <a:lvl2pPr marL="493776" indent="-228600" algn="l" defTabSz="914400" rtl="0" eaLnBrk="1" latinLnBrk="0" hangingPunct="1">
+              <a:lnSpc>
+                <a:spcPct val="120000"/>
+              </a:lnSpc>
+              <a:spcBef>
+                <a:spcPts val="500"/>
+              </a:spcBef>
+              <a:buSzPct val="87000"/>
+              <a:buFont typeface="Arial" panose="020B0604020202020204" pitchFamily="34" charset="0"/>
+              <a:buChar char="•"/>
+              <a:defRPr sz="1800" kern="1200">
+                <a:solidFill>
+                  <a:schemeClr val="tx1"/>
+                </a:solidFill>
+                <a:latin typeface="+mn-lt"/>
+                <a:ea typeface="+mn-ea"/>
+                <a:cs typeface="+mn-cs"/>
+              </a:defRPr>
+            </a:lvl2pPr>
+            <a:lvl3pPr marL="731520" indent="-228600" algn="l" defTabSz="914400" rtl="0" eaLnBrk="1" latinLnBrk="0" hangingPunct="1">
+              <a:lnSpc>
+                <a:spcPct val="120000"/>
+              </a:lnSpc>
+              <a:spcBef>
+                <a:spcPts val="500"/>
+              </a:spcBef>
+              <a:buSzPct val="87000"/>
+              <a:buFont typeface="Arial" panose="020B0604020202020204" pitchFamily="34" charset="0"/>
+              <a:buChar char="•"/>
+              <a:defRPr sz="1600" kern="1200">
+                <a:solidFill>
+                  <a:schemeClr val="tx1"/>
+                </a:solidFill>
+                <a:latin typeface="+mn-lt"/>
+                <a:ea typeface="+mn-ea"/>
+                <a:cs typeface="+mn-cs"/>
+              </a:defRPr>
+            </a:lvl3pPr>
+            <a:lvl4pPr marL="1051560" indent="-285750" algn="l" defTabSz="914400" rtl="0" eaLnBrk="1" latinLnBrk="0" hangingPunct="1">
+              <a:lnSpc>
+                <a:spcPct val="120000"/>
+              </a:lnSpc>
+              <a:spcBef>
+                <a:spcPts val="500"/>
+              </a:spcBef>
+              <a:buSzPct val="87000"/>
+              <a:buFont typeface="Arial" panose="020B0604020202020204" pitchFamily="34" charset="0"/>
+              <a:buChar char="•"/>
+              <a:defRPr sz="1400" kern="1200">
+                <a:solidFill>
+                  <a:schemeClr val="tx1"/>
+                </a:solidFill>
+                <a:latin typeface="+mn-lt"/>
+                <a:ea typeface="+mn-ea"/>
+                <a:cs typeface="+mn-cs"/>
+              </a:defRPr>
+            </a:lvl4pPr>
+            <a:lvl5pPr marL="1298448" indent="-228600" algn="l" defTabSz="914400" rtl="0" eaLnBrk="1" latinLnBrk="0" hangingPunct="1">
+              <a:lnSpc>
+                <a:spcPct val="120000"/>
+              </a:lnSpc>
+              <a:spcBef>
+                <a:spcPts val="500"/>
+              </a:spcBef>
+              <a:buSzPct val="87000"/>
+              <a:buFont typeface="Arial" panose="020B0604020202020204" pitchFamily="34" charset="0"/>
+              <a:buChar char="•"/>
+              <a:defRPr sz="1400" kern="1200">
+                <a:solidFill>
+                  <a:schemeClr val="tx1"/>
+                </a:solidFill>
+                <a:latin typeface="+mn-lt"/>
+                <a:ea typeface="+mn-ea"/>
+                <a:cs typeface="+mn-cs"/>
+              </a:defRPr>
+            </a:lvl5pPr>
+            <a:lvl6pPr marL="2514600" indent="-228600" algn="l" defTabSz="914400" rtl="0" eaLnBrk="1" latinLnBrk="0" hangingPunct="1">
+              <a:lnSpc>
+                <a:spcPct val="90000"/>
+              </a:lnSpc>
+              <a:spcBef>
+                <a:spcPts val="500"/>
+              </a:spcBef>
+              <a:buFont typeface="Arial" panose="020B0604020202020204" pitchFamily="34" charset="0"/>
+              <a:buChar char="•"/>
+              <a:defRPr sz="1800" kern="1200">
+                <a:solidFill>
+                  <a:schemeClr val="tx1"/>
+                </a:solidFill>
+                <a:latin typeface="+mn-lt"/>
+                <a:ea typeface="+mn-ea"/>
+                <a:cs typeface="+mn-cs"/>
+              </a:defRPr>
+            </a:lvl6pPr>
+            <a:lvl7pPr marL="2971800" indent="-228600" algn="l" defTabSz="914400" rtl="0" eaLnBrk="1" latinLnBrk="0" hangingPunct="1">
+              <a:lnSpc>
+                <a:spcPct val="90000"/>
+              </a:lnSpc>
+              <a:spcBef>
+                <a:spcPts val="500"/>
+              </a:spcBef>
+              <a:buFont typeface="Arial" panose="020B0604020202020204" pitchFamily="34" charset="0"/>
+              <a:buChar char="•"/>
+              <a:defRPr sz="1800" kern="1200">
+                <a:solidFill>
+                  <a:schemeClr val="tx1"/>
+                </a:solidFill>
+                <a:latin typeface="+mn-lt"/>
+                <a:ea typeface="+mn-ea"/>
+                <a:cs typeface="+mn-cs"/>
+              </a:defRPr>
+            </a:lvl7pPr>
+            <a:lvl8pPr marL="3429000" indent="-228600" algn="l" defTabSz="914400" rtl="0" eaLnBrk="1" latinLnBrk="0" hangingPunct="1">
+              <a:lnSpc>
+                <a:spcPct val="90000"/>
+              </a:lnSpc>
+              <a:spcBef>
+                <a:spcPts val="500"/>
+              </a:spcBef>
+              <a:buFont typeface="Arial" panose="020B0604020202020204" pitchFamily="34" charset="0"/>
+              <a:buChar char="•"/>
+              <a:defRPr sz="1800" kern="1200">
+                <a:solidFill>
+                  <a:schemeClr val="tx1"/>
+                </a:solidFill>
+                <a:latin typeface="+mn-lt"/>
+                <a:ea typeface="+mn-ea"/>
+                <a:cs typeface="+mn-cs"/>
+              </a:defRPr>
+            </a:lvl8pPr>
+            <a:lvl9pPr marL="3886200" indent="-228600" algn="l" defTabSz="914400" rtl="0" eaLnBrk="1" latinLnBrk="0" hangingPunct="1">
+              <a:lnSpc>
+                <a:spcPct val="90000"/>
+              </a:lnSpc>
+              <a:spcBef>
+                <a:spcPts val="500"/>
+              </a:spcBef>
+              <a:buFont typeface="Arial" panose="020B0604020202020204" pitchFamily="34" charset="0"/>
+              <a:buChar char="•"/>
+              <a:defRPr sz="1800" kern="1200">
+                <a:solidFill>
+                  <a:schemeClr val="tx1"/>
+                </a:solidFill>
+                <a:latin typeface="+mn-lt"/>
+                <a:ea typeface="+mn-ea"/>
+                <a:cs typeface="+mn-cs"/>
+              </a:defRPr>
+            </a:lvl9pPr>
+          </a:lstStyle>
+          <a:p>
+            <a:pPr>
+              <a:lnSpc>
+                <a:spcPts val="1350"/>
+              </a:lnSpc>
+            </a:pPr>
+            <a:r>
+              <a:rPr lang="en-US" sz="1800" b="1" dirty="0"/>
+              <a:t>Increase supply of smaller, affordable flat types in high </a:t>
+            </a:r>
+            <a:r>
+              <a:rPr lang="en-US" sz="1800" b="1" dirty="0" err="1"/>
+              <a:t>psf</a:t>
+            </a:r>
+            <a:r>
+              <a:rPr lang="en-US" sz="1800" b="1" dirty="0"/>
+              <a:t> town</a:t>
+            </a:r>
+            <a:br>
+              <a:rPr lang="en-US" sz="1800" dirty="0"/>
+            </a:br>
+            <a:endParaRPr lang="en-US" sz="1800" dirty="0"/>
+          </a:p>
+          <a:p>
+            <a:pPr>
+              <a:lnSpc>
+                <a:spcPts val="1350"/>
+              </a:lnSpc>
+            </a:pPr>
+            <a:r>
+              <a:rPr lang="en-US" sz="1800" b="1" dirty="0"/>
+              <a:t>Smaller BTO launches in non-matured estates</a:t>
+            </a:r>
+            <a:endParaRPr lang="en-US" sz="1800" dirty="0"/>
+          </a:p>
+          <a:p>
+            <a:endParaRPr lang="en-US" dirty="0"/>
+          </a:p>
+        </p:txBody>
+      </p:sp>
     </p:spTree>
     <p:extLst>
       <p:ext uri="{BB962C8B-B14F-4D97-AF65-F5344CB8AC3E}">
-        <p14:creationId xmlns:p14="http://schemas.microsoft.com/office/powerpoint/2010/main" val="359317419"/>
+        <p14:creationId xmlns:p14="http://schemas.microsoft.com/office/powerpoint/2010/main" val="1455540104"/>
       </p:ext>
     </p:extLst>
   </p:cSld>
@@ -4724,6 +4899,168 @@
           <p:cNvPr id="2" name="Title 1">
             <a:extLst>
               <a:ext uri="{FF2B5EF4-FFF2-40B4-BE49-F238E27FC236}">
+                <a16:creationId xmlns:a16="http://schemas.microsoft.com/office/drawing/2014/main" id="{2E4C5D10-101B-26D3-BEA2-6976E4C487B8}"/>
+              </a:ext>
+            </a:extLst>
+          </p:cNvPr>
+          <p:cNvSpPr>
+            <a:spLocks noGrp="1"/>
+          </p:cNvSpPr>
+          <p:nvPr>
+            <p:ph type="title"/>
+          </p:nvPr>
+        </p:nvSpPr>
+        <p:spPr>
+          <a:xfrm>
+            <a:off x="640079" y="1092632"/>
+            <a:ext cx="10890929" cy="1097280"/>
+          </a:xfrm>
+        </p:spPr>
+        <p:txBody>
+          <a:bodyPr>
+            <a:normAutofit/>
+          </a:bodyPr>
+          <a:lstStyle/>
+          <a:p>
+            <a:r>
+              <a:rPr lang="en-US" dirty="0"/>
+              <a:t>Future Exploration </a:t>
+            </a:r>
+          </a:p>
+        </p:txBody>
+      </p:sp>
+      <p:sp>
+        <p:nvSpPr>
+          <p:cNvPr id="3" name="Content Placeholder 2">
+            <a:extLst>
+              <a:ext uri="{FF2B5EF4-FFF2-40B4-BE49-F238E27FC236}">
+                <a16:creationId xmlns:a16="http://schemas.microsoft.com/office/drawing/2014/main" id="{66C1EEDB-5AA5-30BF-F29D-96A59A940AAD}"/>
+              </a:ext>
+            </a:extLst>
+          </p:cNvPr>
+          <p:cNvSpPr>
+            <a:spLocks noGrp="1"/>
+          </p:cNvSpPr>
+          <p:nvPr>
+            <p:ph idx="1"/>
+          </p:nvPr>
+        </p:nvSpPr>
+        <p:spPr/>
+        <p:txBody>
+          <a:bodyPr/>
+          <a:lstStyle/>
+          <a:p>
+            <a:r>
+              <a:rPr lang="en-US" dirty="0"/>
+              <a:t>Model – Try with other models such as </a:t>
+            </a:r>
+            <a:r>
+              <a:rPr lang="en-US" dirty="0" err="1"/>
+              <a:t>XGBoost</a:t>
+            </a:r>
+            <a:r>
+              <a:rPr lang="en-US" dirty="0"/>
+              <a:t>, linear regression or Elastic Net Regression</a:t>
+            </a:r>
+          </a:p>
+          <a:p>
+            <a:r>
+              <a:rPr lang="en-US" dirty="0"/>
+              <a:t>Model Parameters – Use </a:t>
+            </a:r>
+            <a:r>
+              <a:rPr lang="en-US" dirty="0" err="1"/>
+              <a:t>GridSearchCV</a:t>
+            </a:r>
+            <a:r>
+              <a:rPr lang="en-US" dirty="0"/>
+              <a:t> to find the optimal parameters to further improve the results</a:t>
+            </a:r>
+          </a:p>
+          <a:p>
+            <a:r>
+              <a:rPr lang="en-US" dirty="0" err="1"/>
+              <a:t>PyViz</a:t>
+            </a:r>
+            <a:r>
+              <a:rPr lang="en-US" dirty="0"/>
+              <a:t> – </a:t>
+            </a:r>
+            <a:r>
+              <a:rPr lang="en-US" dirty="0" err="1"/>
+              <a:t>Pyviz</a:t>
+            </a:r>
+            <a:r>
+              <a:rPr lang="en-US" dirty="0"/>
+              <a:t> to further visualize the graph</a:t>
+            </a:r>
+          </a:p>
+        </p:txBody>
+      </p:sp>
+      <p:sp>
+        <p:nvSpPr>
+          <p:cNvPr id="4" name="Slide Number Placeholder 3">
+            <a:extLst>
+              <a:ext uri="{FF2B5EF4-FFF2-40B4-BE49-F238E27FC236}">
+                <a16:creationId xmlns:a16="http://schemas.microsoft.com/office/drawing/2014/main" id="{D8162D6A-30C6-B46D-F3DD-1B9599C9305F}"/>
+              </a:ext>
+            </a:extLst>
+          </p:cNvPr>
+          <p:cNvSpPr>
+            <a:spLocks noGrp="1"/>
+          </p:cNvSpPr>
+          <p:nvPr>
+            <p:ph type="sldNum" sz="quarter" idx="12"/>
+          </p:nvPr>
+        </p:nvSpPr>
+        <p:spPr/>
+        <p:txBody>
+          <a:bodyPr/>
+          <a:lstStyle/>
+          <a:p>
+            <a:fld id="{70C12960-6E85-460F-B6E3-5B82CB31AF3D}" type="slidenum">
+              <a:rPr lang="en-US" smtClean="0"/>
+              <a:t>12</a:t>
+            </a:fld>
+            <a:endParaRPr lang="en-US"/>
+          </a:p>
+        </p:txBody>
+      </p:sp>
+    </p:spTree>
+    <p:extLst>
+      <p:ext uri="{BB962C8B-B14F-4D97-AF65-F5344CB8AC3E}">
+        <p14:creationId xmlns:p14="http://schemas.microsoft.com/office/powerpoint/2010/main" val="359317419"/>
+      </p:ext>
+    </p:extLst>
+  </p:cSld>
+  <p:clrMapOvr>
+    <a:masterClrMapping/>
+  </p:clrMapOvr>
+</p:sld>
+</file>
+
+<file path=ppt/slides/slide13.xml><?xml version="1.0" encoding="utf-8"?>
+<p:sld xmlns:a="http://schemas.openxmlformats.org/drawingml/2006/main" xmlns:r="http://schemas.openxmlformats.org/officeDocument/2006/relationships" xmlns:p="http://schemas.openxmlformats.org/presentationml/2006/main">
+  <p:cSld>
+    <p:spTree>
+      <p:nvGrpSpPr>
+        <p:cNvPr id="1" name=""/>
+        <p:cNvGrpSpPr/>
+        <p:nvPr/>
+      </p:nvGrpSpPr>
+      <p:grpSpPr>
+        <a:xfrm>
+          <a:off x="0" y="0"/>
+          <a:ext cx="0" cy="0"/>
+          <a:chOff x="0" y="0"/>
+          <a:chExt cx="0" cy="0"/>
+        </a:xfrm>
+      </p:grpSpPr>
+      <p:sp>
+        <p:nvSpPr>
+          <p:cNvPr id="2" name="Title 1">
+            <a:extLst>
+              <a:ext uri="{FF2B5EF4-FFF2-40B4-BE49-F238E27FC236}">
                 <a16:creationId xmlns:a16="http://schemas.microsoft.com/office/drawing/2014/main" id="{FDB8CFDD-FD17-9559-ECD1-137318DFC4E3}"/>
               </a:ext>
             </a:extLst>
@@ -4775,7 +5112,7 @@
           <a:p>
             <a:fld id="{70C12960-6E85-460F-B6E3-5B82CB31AF3D}" type="slidenum">
               <a:rPr lang="en-US" smtClean="0"/>
-              <a:t>12</a:t>
+              <a:t>13</a:t>
             </a:fld>
             <a:endParaRPr lang="en-US"/>
           </a:p>
